--- a/LCC/Python/03流程控制(分支).pptx
+++ b/LCC/Python/03流程控制(分支).pptx
@@ -2,7 +2,7 @@
 <file path=ppt/presentation.xml><?xml version="1.0" encoding="utf-8"?>
 <p:presentation xmlns:a="http://schemas.openxmlformats.org/drawingml/2006/main" xmlns:r="http://schemas.openxmlformats.org/officeDocument/2006/relationships" xmlns:p="http://schemas.openxmlformats.org/presentationml/2006/main" autoCompressPictures="0">
   <p:sldMasterIdLst>
-    <p:sldMasterId id="2147483648" r:id="rId1"/>
+    <p:sldMasterId id="2147483668" r:id="rId1"/>
   </p:sldMasterIdLst>
   <p:sldIdLst>
     <p:sldId id="256" r:id="rId2"/>
@@ -166,7 +166,7 @@
       </p:grpSpPr>
       <p:grpSp>
         <p:nvGrpSpPr>
-          <p:cNvPr id="7" name="Group 6"/>
+          <p:cNvPr id="16" name="Group 15"/>
           <p:cNvGrpSpPr/>
           <p:nvPr/>
         </p:nvGrpSpPr>
@@ -178,9 +178,72 @@
             <a:chExt cx="12192000" cy="6866467"/>
           </a:xfrm>
         </p:grpSpPr>
+        <p:sp>
+          <p:nvSpPr>
+            <p:cNvPr id="15" name="Freeform 14"/>
+            <p:cNvSpPr/>
+            <p:nvPr/>
+          </p:nvSpPr>
+          <p:spPr>
+            <a:xfrm>
+              <a:off x="0" y="-7862"/>
+              <a:ext cx="863600" cy="5698067"/>
+            </a:xfrm>
+            <a:custGeom>
+              <a:avLst/>
+              <a:gdLst/>
+              <a:ahLst/>
+              <a:cxnLst/>
+              <a:rect l="l" t="t" r="r" b="b"/>
+              <a:pathLst>
+                <a:path w="863600" h="5698067">
+                  <a:moveTo>
+                    <a:pt x="0" y="8467"/>
+                  </a:moveTo>
+                  <a:lnTo>
+                    <a:pt x="863600" y="0"/>
+                  </a:lnTo>
+                  <a:lnTo>
+                    <a:pt x="863600" y="16934"/>
+                  </a:lnTo>
+                  <a:lnTo>
+                    <a:pt x="0" y="5698067"/>
+                  </a:lnTo>
+                  <a:lnTo>
+                    <a:pt x="0" y="8467"/>
+                  </a:lnTo>
+                  <a:close/>
+                </a:path>
+              </a:pathLst>
+            </a:custGeom>
+            <a:solidFill>
+              <a:schemeClr val="accent1">
+                <a:alpha val="70000"/>
+              </a:schemeClr>
+            </a:solidFill>
+            <a:ln>
+              <a:noFill/>
+            </a:ln>
+            <a:effectLst/>
+          </p:spPr>
+          <p:style>
+            <a:lnRef idx="1">
+              <a:schemeClr val="accent1"/>
+            </a:lnRef>
+            <a:fillRef idx="3">
+              <a:schemeClr val="accent1"/>
+            </a:fillRef>
+            <a:effectRef idx="2">
+              <a:schemeClr val="accent1"/>
+            </a:effectRef>
+            <a:fontRef idx="minor">
+              <a:schemeClr val="lt1"/>
+            </a:fontRef>
+          </p:style>
+        </p:sp>
         <p:cxnSp>
           <p:nvCxnSpPr>
-            <p:cNvPr id="32" name="Straight Connector 31"/>
+            <p:cNvPr id="19" name="Straight Connector 18"/>
             <p:cNvCxnSpPr/>
             <p:nvPr/>
           </p:nvCxnSpPr>
@@ -194,8 +257,8 @@
             </a:prstGeom>
             <a:ln w="9525">
               <a:solidFill>
-                <a:schemeClr val="bg1">
-                  <a:lumMod val="75000"/>
+                <a:schemeClr val="accent1">
+                  <a:alpha val="70000"/>
                 </a:schemeClr>
               </a:solidFill>
             </a:ln>
@@ -217,7 +280,7 @@
         </p:cxnSp>
         <p:cxnSp>
           <p:nvCxnSpPr>
-            <p:cNvPr id="21" name="Straight Connector 20"/>
+            <p:cNvPr id="20" name="Straight Connector 19"/>
             <p:cNvCxnSpPr/>
             <p:nvPr/>
           </p:nvCxnSpPr>
@@ -231,8 +294,8 @@
             </a:prstGeom>
             <a:ln w="9525">
               <a:solidFill>
-                <a:schemeClr val="bg1">
-                  <a:lumMod val="85000"/>
+                <a:schemeClr val="accent1">
+                  <a:alpha val="70000"/>
                 </a:schemeClr>
               </a:solidFill>
             </a:ln>
@@ -254,7 +317,7 @@
         </p:cxnSp>
         <p:sp>
           <p:nvSpPr>
-            <p:cNvPr id="24" name="Rectangle 23"/>
+            <p:cNvPr id="21" name="Rectangle 23"/>
             <p:cNvSpPr/>
             <p:nvPr/>
           </p:nvSpPr>
@@ -292,7 +355,7 @@
             </a:custGeom>
             <a:solidFill>
               <a:schemeClr val="accent1">
-                <a:alpha val="30000"/>
+                <a:alpha val="36000"/>
               </a:schemeClr>
             </a:solidFill>
             <a:ln>
@@ -317,7 +380,7 @@
         </p:sp>
         <p:sp>
           <p:nvSpPr>
-            <p:cNvPr id="26" name="Rectangle 25"/>
+            <p:cNvPr id="22" name="Rectangle 25"/>
             <p:cNvSpPr/>
             <p:nvPr/>
           </p:nvSpPr>
@@ -380,7 +443,7 @@
         </p:sp>
         <p:sp>
           <p:nvSpPr>
-            <p:cNvPr id="27" name="Isosceles Triangle 26"/>
+            <p:cNvPr id="23" name="Isosceles Triangle 22"/>
             <p:cNvSpPr/>
             <p:nvPr/>
           </p:nvSpPr>
@@ -395,8 +458,9 @@
               </a:avLst>
             </a:prstGeom>
             <a:solidFill>
-              <a:schemeClr val="accent2">
-                <a:alpha val="72000"/>
+              <a:schemeClr val="accent1">
+                <a:lumMod val="75000"/>
+                <a:alpha val="66000"/>
               </a:schemeClr>
             </a:solidFill>
             <a:ln>
@@ -421,7 +485,7 @@
         </p:sp>
         <p:sp>
           <p:nvSpPr>
-            <p:cNvPr id="28" name="Rectangle 27"/>
+            <p:cNvPr id="24" name="Rectangle 27"/>
             <p:cNvSpPr/>
             <p:nvPr/>
           </p:nvSpPr>
@@ -458,9 +522,9 @@
               </a:pathLst>
             </a:custGeom>
             <a:solidFill>
-              <a:schemeClr val="accent2">
+              <a:schemeClr val="accent1">
                 <a:lumMod val="75000"/>
-                <a:alpha val="70000"/>
+                <a:alpha val="50000"/>
               </a:schemeClr>
             </a:solidFill>
             <a:ln>
@@ -485,7 +549,7 @@
         </p:sp>
         <p:sp>
           <p:nvSpPr>
-            <p:cNvPr id="29" name="Rectangle 28"/>
+            <p:cNvPr id="25" name="Rectangle 28"/>
             <p:cNvSpPr/>
             <p:nvPr/>
           </p:nvSpPr>
@@ -522,9 +586,7 @@
               </a:pathLst>
             </a:custGeom>
             <a:solidFill>
-              <a:schemeClr val="accent1">
-                <a:lumMod val="60000"/>
-                <a:lumOff val="40000"/>
+              <a:schemeClr val="accent2">
                 <a:alpha val="70000"/>
               </a:schemeClr>
             </a:solidFill>
@@ -550,7 +612,7 @@
         </p:sp>
         <p:sp>
           <p:nvSpPr>
-            <p:cNvPr id="30" name="Rectangle 29"/>
+            <p:cNvPr id="26" name="Rectangle 29"/>
             <p:cNvSpPr/>
             <p:nvPr/>
           </p:nvSpPr>
@@ -587,48 +649,8 @@
               </a:pathLst>
             </a:custGeom>
             <a:solidFill>
-              <a:schemeClr val="accent1">
-                <a:alpha val="65000"/>
-              </a:schemeClr>
-            </a:solidFill>
-            <a:ln>
-              <a:noFill/>
-            </a:ln>
-            <a:effectLst/>
-          </p:spPr>
-          <p:style>
-            <a:lnRef idx="1">
-              <a:schemeClr val="accent1"/>
-            </a:lnRef>
-            <a:fillRef idx="3">
-              <a:schemeClr val="accent1"/>
-            </a:fillRef>
-            <a:effectRef idx="2">
-              <a:schemeClr val="accent1"/>
-            </a:effectRef>
-            <a:fontRef idx="minor">
-              <a:schemeClr val="lt1"/>
-            </a:fontRef>
-          </p:style>
-        </p:sp>
-        <p:sp>
-          <p:nvSpPr>
-            <p:cNvPr id="31" name="Isosceles Triangle 30"/>
-            <p:cNvSpPr/>
-            <p:nvPr/>
-          </p:nvSpPr>
-          <p:spPr>
-            <a:xfrm>
-              <a:off x="10371666" y="3589867"/>
-              <a:ext cx="1817159" cy="3268133"/>
-            </a:xfrm>
-            <a:prstGeom prst="triangle">
-              <a:avLst>
-                <a:gd name="adj" fmla="val 100000"/>
-              </a:avLst>
-            </a:prstGeom>
-            <a:solidFill>
-              <a:schemeClr val="accent1">
+              <a:schemeClr val="accent2">
+                <a:lumMod val="75000"/>
                 <a:alpha val="80000"/>
               </a:schemeClr>
             </a:solidFill>
@@ -654,14 +676,14 @@
         </p:sp>
         <p:sp>
           <p:nvSpPr>
-            <p:cNvPr id="19" name="Isosceles Triangle 18"/>
+            <p:cNvPr id="27" name="Isosceles Triangle 26"/>
             <p:cNvSpPr/>
             <p:nvPr/>
           </p:nvSpPr>
           <p:spPr>
-            <a:xfrm rot="10800000">
-              <a:off x="0" y="0"/>
-              <a:ext cx="842596" cy="5666154"/>
+            <a:xfrm>
+              <a:off x="10371666" y="3589867"/>
+              <a:ext cx="1817159" cy="3268133"/>
             </a:xfrm>
             <a:prstGeom prst="triangle">
               <a:avLst>
@@ -670,7 +692,8 @@
             </a:prstGeom>
             <a:solidFill>
               <a:schemeClr val="accent1">
-                <a:alpha val="85000"/>
+                <a:lumMod val="75000"/>
+                <a:alpha val="66000"/>
               </a:schemeClr>
             </a:solidFill>
             <a:ln>
@@ -716,16 +739,16 @@
           </a:bodyPr>
           <a:lstStyle>
             <a:lvl1pPr algn="r">
-              <a:defRPr sz="5400">
-                <a:solidFill>
-                  <a:schemeClr val="accent1"/>
+              <a:defRPr sz="4800">
+                <a:solidFill>
+                  <a:srgbClr val="0070C0"/>
                 </a:solidFill>
               </a:defRPr>
             </a:lvl1pPr>
           </a:lstStyle>
           <a:p>
             <a:r>
-              <a:rPr lang="zh-TW" altLang="en-US" smtClean="0"/>
+              <a:rPr lang="zh-TW" altLang="en-US" dirty="0" smtClean="0"/>
               <a:t>按一下以編輯母片標題樣式</a:t>
             </a:r>
             <a:endParaRPr lang="en-US" dirty="0"/>
@@ -868,9 +891,9 @@
           <a:lstStyle/>
           <a:p>
             <a:fld id="{B61BEF0D-F0BB-DE4B-95CE-6DB70DBA9567}" type="datetimeFigureOut">
-              <a:rPr lang="en-US" dirty="0"/>
+              <a:rPr lang="en-US" smtClean="0"/>
               <a:pPr/>
-              <a:t>12/27/2020</a:t>
+              <a:t>12/28/2020</a:t>
             </a:fld>
             <a:endParaRPr lang="en-US" dirty="0"/>
           </a:p>
@@ -911,7 +934,7 @@
           <a:lstStyle/>
           <a:p>
             <a:fld id="{D57F1E4F-1CFF-5643-939E-217C01CDF565}" type="slidenum">
-              <a:rPr lang="en-US" dirty="0"/>
+              <a:rPr lang="en-US" smtClean="0"/>
               <a:pPr/>
               <a:t>‹#›</a:t>
             </a:fld>
@@ -920,6 +943,11 @@
         </p:txBody>
       </p:sp>
     </p:spTree>
+    <p:extLst>
+      <p:ext uri="{BB962C8B-B14F-4D97-AF65-F5344CB8AC3E}">
+        <p14:creationId xmlns:p14="http://schemas.microsoft.com/office/powerpoint/2010/main" val="2144919849"/>
+      </p:ext>
+    </p:extLst>
   </p:cSld>
   <p:clrMapOvr>
     <a:masterClrMapping/>
@@ -1116,9 +1144,9 @@
           <a:lstStyle/>
           <a:p>
             <a:fld id="{B61BEF0D-F0BB-DE4B-95CE-6DB70DBA9567}" type="datetimeFigureOut">
-              <a:rPr lang="en-US" dirty="0"/>
+              <a:rPr lang="en-US" smtClean="0"/>
               <a:pPr/>
-              <a:t>12/27/2020</a:t>
+              <a:t>12/28/2020</a:t>
             </a:fld>
             <a:endParaRPr lang="en-US" dirty="0"/>
           </a:p>
@@ -1159,7 +1187,7 @@
           <a:lstStyle/>
           <a:p>
             <a:fld id="{D57F1E4F-1CFF-5643-939E-217C01CDF565}" type="slidenum">
-              <a:rPr lang="en-US" dirty="0"/>
+              <a:rPr lang="en-US" smtClean="0"/>
               <a:pPr/>
               <a:t>‹#›</a:t>
             </a:fld>
@@ -1168,6 +1196,11 @@
         </p:txBody>
       </p:sp>
     </p:spTree>
+    <p:extLst>
+      <p:ext uri="{BB962C8B-B14F-4D97-AF65-F5344CB8AC3E}">
+        <p14:creationId xmlns:p14="http://schemas.microsoft.com/office/powerpoint/2010/main" val="3041576757"/>
+      </p:ext>
+    </p:extLst>
   </p:cSld>
   <p:clrMapOvr>
     <a:masterClrMapping/>
@@ -1427,9 +1460,9 @@
           <a:lstStyle/>
           <a:p>
             <a:fld id="{B61BEF0D-F0BB-DE4B-95CE-6DB70DBA9567}" type="datetimeFigureOut">
-              <a:rPr lang="en-US" dirty="0"/>
+              <a:rPr lang="en-US" smtClean="0"/>
               <a:pPr/>
-              <a:t>12/27/2020</a:t>
+              <a:t>12/28/2020</a:t>
             </a:fld>
             <a:endParaRPr lang="en-US" dirty="0"/>
           </a:p>
@@ -1470,7 +1503,7 @@
           <a:lstStyle/>
           <a:p>
             <a:fld id="{D57F1E4F-1CFF-5643-939E-217C01CDF565}" type="slidenum">
-              <a:rPr lang="en-US" dirty="0"/>
+              <a:rPr lang="en-US" smtClean="0"/>
               <a:pPr/>
               <a:t>‹#›</a:t>
             </a:fld>
@@ -1480,7 +1513,7 @@
       </p:sp>
       <p:sp>
         <p:nvSpPr>
-          <p:cNvPr id="20" name="TextBox 19"/>
+          <p:cNvPr id="24" name="TextBox 23"/>
           <p:cNvSpPr txBox="1"/>
           <p:nvPr/>
         </p:nvSpPr>
@@ -1521,7 +1554,7 @@
       </p:sp>
       <p:sp>
         <p:nvSpPr>
-          <p:cNvPr id="22" name="TextBox 21"/>
+          <p:cNvPr id="25" name="TextBox 24"/>
           <p:cNvSpPr txBox="1"/>
           <p:nvPr/>
         </p:nvSpPr>
@@ -1552,23 +1585,20 @@
                     <a:lumOff val="40000"/>
                   </a:schemeClr>
                 </a:solidFill>
+                <a:effectLst/>
                 <a:latin typeface="Arial"/>
               </a:rPr>
               <a:t>”</a:t>
             </a:r>
-            <a:endParaRPr lang="en-US" dirty="0">
-              <a:solidFill>
-                <a:schemeClr val="accent1">
-                  <a:lumMod val="60000"/>
-                  <a:lumOff val="40000"/>
-                </a:schemeClr>
-              </a:solidFill>
-              <a:latin typeface="Arial"/>
-            </a:endParaRPr>
           </a:p>
         </p:txBody>
       </p:sp>
     </p:spTree>
+    <p:extLst>
+      <p:ext uri="{BB962C8B-B14F-4D97-AF65-F5344CB8AC3E}">
+        <p14:creationId xmlns:p14="http://schemas.microsoft.com/office/powerpoint/2010/main" val="2898352208"/>
+      </p:ext>
+    </p:extLst>
   </p:cSld>
   <p:clrMapOvr>
     <a:masterClrMapping/>
@@ -1765,9 +1795,9 @@
           <a:lstStyle/>
           <a:p>
             <a:fld id="{B61BEF0D-F0BB-DE4B-95CE-6DB70DBA9567}" type="datetimeFigureOut">
-              <a:rPr lang="en-US" dirty="0"/>
+              <a:rPr lang="en-US" smtClean="0"/>
               <a:pPr/>
-              <a:t>12/27/2020</a:t>
+              <a:t>12/28/2020</a:t>
             </a:fld>
             <a:endParaRPr lang="en-US" dirty="0"/>
           </a:p>
@@ -1808,7 +1838,7 @@
           <a:lstStyle/>
           <a:p>
             <a:fld id="{D57F1E4F-1CFF-5643-939E-217C01CDF565}" type="slidenum">
-              <a:rPr lang="en-US" dirty="0"/>
+              <a:rPr lang="en-US" smtClean="0"/>
               <a:pPr/>
               <a:t>‹#›</a:t>
             </a:fld>
@@ -1817,6 +1847,11 @@
         </p:txBody>
       </p:sp>
     </p:spTree>
+    <p:extLst>
+      <p:ext uri="{BB962C8B-B14F-4D97-AF65-F5344CB8AC3E}">
+        <p14:creationId xmlns:p14="http://schemas.microsoft.com/office/powerpoint/2010/main" val="2201734934"/>
+      </p:ext>
+    </p:extLst>
   </p:cSld>
   <p:clrMapOvr>
     <a:masterClrMapping/>
@@ -2076,9 +2111,9 @@
           <a:lstStyle/>
           <a:p>
             <a:fld id="{B61BEF0D-F0BB-DE4B-95CE-6DB70DBA9567}" type="datetimeFigureOut">
-              <a:rPr lang="en-US" dirty="0"/>
+              <a:rPr lang="en-US" smtClean="0"/>
               <a:pPr/>
-              <a:t>12/27/2020</a:t>
+              <a:t>12/28/2020</a:t>
             </a:fld>
             <a:endParaRPr lang="en-US" dirty="0"/>
           </a:p>
@@ -2119,7 +2154,7 @@
           <a:lstStyle/>
           <a:p>
             <a:fld id="{D57F1E4F-1CFF-5643-939E-217C01CDF565}" type="slidenum">
-              <a:rPr lang="en-US" dirty="0"/>
+              <a:rPr lang="en-US" smtClean="0"/>
               <a:pPr/>
               <a:t>‹#›</a:t>
             </a:fld>
@@ -2210,6 +2245,11 @@
         </p:txBody>
       </p:sp>
     </p:spTree>
+    <p:extLst>
+      <p:ext uri="{BB962C8B-B14F-4D97-AF65-F5344CB8AC3E}">
+        <p14:creationId xmlns:p14="http://schemas.microsoft.com/office/powerpoint/2010/main" val="159956078"/>
+      </p:ext>
+    </p:extLst>
   </p:cSld>
   <p:clrMapOvr>
     <a:masterClrMapping/>
@@ -2466,9 +2506,9 @@
           <a:lstStyle/>
           <a:p>
             <a:fld id="{B61BEF0D-F0BB-DE4B-95CE-6DB70DBA9567}" type="datetimeFigureOut">
-              <a:rPr lang="en-US" dirty="0"/>
+              <a:rPr lang="en-US" smtClean="0"/>
               <a:pPr/>
-              <a:t>12/27/2020</a:t>
+              <a:t>12/28/2020</a:t>
             </a:fld>
             <a:endParaRPr lang="en-US" dirty="0"/>
           </a:p>
@@ -2509,7 +2549,7 @@
           <a:lstStyle/>
           <a:p>
             <a:fld id="{D57F1E4F-1CFF-5643-939E-217C01CDF565}" type="slidenum">
-              <a:rPr lang="en-US" dirty="0"/>
+              <a:rPr lang="en-US" smtClean="0"/>
               <a:pPr/>
               <a:t>‹#›</a:t>
             </a:fld>
@@ -2518,6 +2558,11 @@
         </p:txBody>
       </p:sp>
     </p:spTree>
+    <p:extLst>
+      <p:ext uri="{BB962C8B-B14F-4D97-AF65-F5344CB8AC3E}">
+        <p14:creationId xmlns:p14="http://schemas.microsoft.com/office/powerpoint/2010/main" val="3978366993"/>
+      </p:ext>
+    </p:extLst>
   </p:cSld>
   <p:clrMapOvr>
     <a:masterClrMapping/>
@@ -2633,8 +2678,8 @@
           <a:lstStyle/>
           <a:p>
             <a:fld id="{55C6B4A9-1611-4792-9094-5F34BCA07E0B}" type="datetimeFigureOut">
-              <a:rPr lang="en-US" dirty="0"/>
-              <a:t>12/27/2020</a:t>
+              <a:rPr lang="en-US" smtClean="0"/>
+              <a:t>12/28/2020</a:t>
             </a:fld>
             <a:endParaRPr lang="en-US" dirty="0"/>
           </a:p>
@@ -2675,7 +2720,7 @@
           <a:lstStyle/>
           <a:p>
             <a:fld id="{89333C77-0158-454C-844F-B7AB9BD7DAD4}" type="slidenum">
-              <a:rPr lang="en-US" dirty="0"/>
+              <a:rPr lang="en-US" smtClean="0"/>
               <a:t>‹#›</a:t>
             </a:fld>
             <a:endParaRPr lang="en-US" dirty="0"/>
@@ -2683,6 +2728,11 @@
         </p:txBody>
       </p:sp>
     </p:spTree>
+    <p:extLst>
+      <p:ext uri="{BB962C8B-B14F-4D97-AF65-F5344CB8AC3E}">
+        <p14:creationId xmlns:p14="http://schemas.microsoft.com/office/powerpoint/2010/main" val="1691296801"/>
+      </p:ext>
+    </p:extLst>
   </p:cSld>
   <p:clrMapOvr>
     <a:masterClrMapping/>
@@ -2808,9 +2858,9 @@
           <a:lstStyle/>
           <a:p>
             <a:fld id="{B61BEF0D-F0BB-DE4B-95CE-6DB70DBA9567}" type="datetimeFigureOut">
-              <a:rPr lang="en-US" dirty="0"/>
+              <a:rPr lang="en-US" smtClean="0"/>
               <a:pPr/>
-              <a:t>12/27/2020</a:t>
+              <a:t>12/28/2020</a:t>
             </a:fld>
             <a:endParaRPr lang="en-US" dirty="0"/>
           </a:p>
@@ -2851,7 +2901,7 @@
           <a:lstStyle/>
           <a:p>
             <a:fld id="{D57F1E4F-1CFF-5643-939E-217C01CDF565}" type="slidenum">
-              <a:rPr lang="en-US" dirty="0"/>
+              <a:rPr lang="en-US" smtClean="0"/>
               <a:pPr/>
               <a:t>‹#›</a:t>
             </a:fld>
@@ -2860,6 +2910,11 @@
         </p:txBody>
       </p:sp>
     </p:spTree>
+    <p:extLst>
+      <p:ext uri="{BB962C8B-B14F-4D97-AF65-F5344CB8AC3E}">
+        <p14:creationId xmlns:p14="http://schemas.microsoft.com/office/powerpoint/2010/main" val="3566211649"/>
+      </p:ext>
+    </p:extLst>
   </p:cSld>
   <p:clrMapOvr>
     <a:masterClrMapping/>
@@ -2896,14 +2951,8 @@
         </p:nvSpPr>
         <p:spPr/>
         <p:txBody>
-          <a:bodyPr>
-            <a:normAutofit/>
-          </a:bodyPr>
-          <a:lstStyle>
-            <a:lvl1pPr>
-              <a:defRPr sz="3600"/>
-            </a:lvl1pPr>
-          </a:lstStyle>
+          <a:bodyPr/>
+          <a:lstStyle/>
           <a:p>
             <a:r>
               <a:rPr lang="zh-TW" altLang="en-US" smtClean="0"/>
@@ -2926,47 +2975,39 @@
         <p:spPr/>
         <p:txBody>
           <a:bodyPr/>
-          <a:lstStyle>
-            <a:lvl2pPr>
-              <a:defRPr>
-                <a:solidFill>
-                  <a:srgbClr val="0070C0"/>
-                </a:solidFill>
-              </a:defRPr>
-            </a:lvl2pPr>
-          </a:lstStyle>
+          <a:lstStyle/>
           <a:p>
             <a:pPr lvl="0"/>
             <a:r>
-              <a:rPr lang="zh-TW" altLang="en-US" dirty="0" smtClean="0"/>
+              <a:rPr lang="zh-TW" altLang="en-US" smtClean="0"/>
               <a:t>編輯母片文字樣式</a:t>
             </a:r>
           </a:p>
           <a:p>
             <a:pPr lvl="1"/>
             <a:r>
-              <a:rPr lang="zh-TW" altLang="en-US" dirty="0" smtClean="0"/>
+              <a:rPr lang="zh-TW" altLang="en-US" smtClean="0"/>
               <a:t>第二層</a:t>
             </a:r>
           </a:p>
           <a:p>
             <a:pPr lvl="2"/>
             <a:r>
-              <a:rPr lang="zh-TW" altLang="en-US" dirty="0" smtClean="0"/>
+              <a:rPr lang="zh-TW" altLang="en-US" smtClean="0"/>
               <a:t>第三層</a:t>
             </a:r>
           </a:p>
           <a:p>
             <a:pPr lvl="3"/>
             <a:r>
-              <a:rPr lang="zh-TW" altLang="en-US" dirty="0" smtClean="0"/>
+              <a:rPr lang="zh-TW" altLang="en-US" smtClean="0"/>
               <a:t>第四層</a:t>
             </a:r>
           </a:p>
           <a:p>
             <a:pPr lvl="4"/>
             <a:r>
-              <a:rPr lang="zh-TW" altLang="en-US" dirty="0" smtClean="0"/>
+              <a:rPr lang="zh-TW" altLang="en-US" smtClean="0"/>
               <a:t>第五層</a:t>
             </a:r>
             <a:endParaRPr lang="en-US" dirty="0"/>
@@ -2989,9 +3030,9 @@
           <a:lstStyle/>
           <a:p>
             <a:fld id="{B61BEF0D-F0BB-DE4B-95CE-6DB70DBA9567}" type="datetimeFigureOut">
-              <a:rPr lang="en-US" dirty="0"/>
+              <a:rPr lang="en-US" smtClean="0"/>
               <a:pPr/>
-              <a:t>12/27/2020</a:t>
+              <a:t>12/28/2020</a:t>
             </a:fld>
             <a:endParaRPr lang="en-US" dirty="0"/>
           </a:p>
@@ -3032,7 +3073,7 @@
           <a:lstStyle/>
           <a:p>
             <a:fld id="{D57F1E4F-1CFF-5643-939E-217C01CDF565}" type="slidenum">
-              <a:rPr lang="en-US" dirty="0"/>
+              <a:rPr lang="en-US" smtClean="0"/>
               <a:pPr/>
               <a:t>‹#›</a:t>
             </a:fld>
@@ -3042,7 +3083,7 @@
       </p:sp>
       <p:sp>
         <p:nvSpPr>
-          <p:cNvPr id="8" name="矩形 7"/>
+          <p:cNvPr id="7" name="矩形 6"/>
           <p:cNvSpPr/>
           <p:nvPr userDrawn="1"/>
         </p:nvSpPr>
@@ -3074,6 +3115,11 @@
         </p:txBody>
       </p:sp>
     </p:spTree>
+    <p:extLst>
+      <p:ext uri="{BB962C8B-B14F-4D97-AF65-F5344CB8AC3E}">
+        <p14:creationId xmlns:p14="http://schemas.microsoft.com/office/powerpoint/2010/main" val="2900079360"/>
+      </p:ext>
+    </p:extLst>
   </p:cSld>
   <p:clrMapOvr>
     <a:masterClrMapping/>
@@ -3266,9 +3312,9 @@
           <a:lstStyle/>
           <a:p>
             <a:fld id="{B61BEF0D-F0BB-DE4B-95CE-6DB70DBA9567}" type="datetimeFigureOut">
-              <a:rPr lang="en-US" dirty="0"/>
+              <a:rPr lang="en-US" smtClean="0"/>
               <a:pPr/>
-              <a:t>12/27/2020</a:t>
+              <a:t>12/28/2020</a:t>
             </a:fld>
             <a:endParaRPr lang="en-US" dirty="0"/>
           </a:p>
@@ -3309,7 +3355,7 @@
           <a:lstStyle/>
           <a:p>
             <a:fld id="{D57F1E4F-1CFF-5643-939E-217C01CDF565}" type="slidenum">
-              <a:rPr lang="en-US" dirty="0"/>
+              <a:rPr lang="en-US" smtClean="0"/>
               <a:pPr/>
               <a:t>‹#›</a:t>
             </a:fld>
@@ -3318,6 +3364,11 @@
         </p:txBody>
       </p:sp>
     </p:spTree>
+    <p:extLst>
+      <p:ext uri="{BB962C8B-B14F-4D97-AF65-F5344CB8AC3E}">
+        <p14:creationId xmlns:p14="http://schemas.microsoft.com/office/powerpoint/2010/main" val="803902039"/>
+      </p:ext>
+    </p:extLst>
   </p:cSld>
   <p:clrMapOvr>
     <a:masterClrMapping/>
@@ -3495,8 +3546,8 @@
           <a:lstStyle/>
           <a:p>
             <a:fld id="{EB712588-04B1-427B-82EE-E8DB90309F08}" type="datetimeFigureOut">
-              <a:rPr lang="en-US" dirty="0"/>
-              <a:t>12/27/2020</a:t>
+              <a:rPr lang="en-US" smtClean="0"/>
+              <a:t>12/28/2020</a:t>
             </a:fld>
             <a:endParaRPr lang="en-US" dirty="0"/>
           </a:p>
@@ -3537,7 +3588,7 @@
           <a:lstStyle/>
           <a:p>
             <a:fld id="{6FF9F0C5-380F-41C2-899A-BAC0F0927E16}" type="slidenum">
-              <a:rPr lang="en-US" dirty="0"/>
+              <a:rPr lang="en-US" smtClean="0"/>
               <a:t>‹#›</a:t>
             </a:fld>
             <a:endParaRPr lang="en-US" dirty="0"/>
@@ -3578,6 +3629,11 @@
         </p:txBody>
       </p:sp>
     </p:spTree>
+    <p:extLst>
+      <p:ext uri="{BB962C8B-B14F-4D97-AF65-F5344CB8AC3E}">
+        <p14:creationId xmlns:p14="http://schemas.microsoft.com/office/powerpoint/2010/main" val="1992896271"/>
+      </p:ext>
+    </p:extLst>
   </p:cSld>
   <p:clrMapOvr>
     <a:masterClrMapping/>
@@ -3897,9 +3953,9 @@
           <a:lstStyle/>
           <a:p>
             <a:fld id="{B61BEF0D-F0BB-DE4B-95CE-6DB70DBA9567}" type="datetimeFigureOut">
-              <a:rPr lang="en-US" dirty="0"/>
+              <a:rPr lang="en-US" smtClean="0"/>
               <a:pPr/>
-              <a:t>12/27/2020</a:t>
+              <a:t>12/28/2020</a:t>
             </a:fld>
             <a:endParaRPr lang="en-US" dirty="0"/>
           </a:p>
@@ -3940,7 +3996,7 @@
           <a:lstStyle/>
           <a:p>
             <a:fld id="{D57F1E4F-1CFF-5643-939E-217C01CDF565}" type="slidenum">
-              <a:rPr lang="en-US" dirty="0"/>
+              <a:rPr lang="en-US" smtClean="0"/>
               <a:pPr/>
               <a:t>‹#›</a:t>
             </a:fld>
@@ -3982,6 +4038,11 @@
         </p:txBody>
       </p:sp>
     </p:spTree>
+    <p:extLst>
+      <p:ext uri="{BB962C8B-B14F-4D97-AF65-F5344CB8AC3E}">
+        <p14:creationId xmlns:p14="http://schemas.microsoft.com/office/powerpoint/2010/main" val="1352991335"/>
+      </p:ext>
+    </p:extLst>
   </p:cSld>
   <p:clrMapOvr>
     <a:masterClrMapping/>
@@ -4050,9 +4111,9 @@
           <a:lstStyle/>
           <a:p>
             <a:fld id="{B61BEF0D-F0BB-DE4B-95CE-6DB70DBA9567}" type="datetimeFigureOut">
-              <a:rPr lang="en-US" dirty="0"/>
+              <a:rPr lang="en-US" smtClean="0"/>
               <a:pPr/>
-              <a:t>12/27/2020</a:t>
+              <a:t>12/28/2020</a:t>
             </a:fld>
             <a:endParaRPr lang="en-US" dirty="0"/>
           </a:p>
@@ -4093,7 +4154,7 @@
           <a:lstStyle/>
           <a:p>
             <a:fld id="{D57F1E4F-1CFF-5643-939E-217C01CDF565}" type="slidenum">
-              <a:rPr lang="en-US" dirty="0"/>
+              <a:rPr lang="en-US" smtClean="0"/>
               <a:pPr/>
               <a:t>‹#›</a:t>
             </a:fld>
@@ -4135,6 +4196,11 @@
         </p:txBody>
       </p:sp>
     </p:spTree>
+    <p:extLst>
+      <p:ext uri="{BB962C8B-B14F-4D97-AF65-F5344CB8AC3E}">
+        <p14:creationId xmlns:p14="http://schemas.microsoft.com/office/powerpoint/2010/main" val="488947732"/>
+      </p:ext>
+    </p:extLst>
   </p:cSld>
   <p:clrMapOvr>
     <a:masterClrMapping/>
@@ -4175,9 +4241,9 @@
           <a:lstStyle/>
           <a:p>
             <a:fld id="{B61BEF0D-F0BB-DE4B-95CE-6DB70DBA9567}" type="datetimeFigureOut">
-              <a:rPr lang="en-US" dirty="0"/>
+              <a:rPr lang="en-US" smtClean="0"/>
               <a:pPr/>
-              <a:t>12/27/2020</a:t>
+              <a:t>12/28/2020</a:t>
             </a:fld>
             <a:endParaRPr lang="en-US" dirty="0"/>
           </a:p>
@@ -4218,7 +4284,7 @@
           <a:lstStyle/>
           <a:p>
             <a:fld id="{D57F1E4F-1CFF-5643-939E-217C01CDF565}" type="slidenum">
-              <a:rPr lang="en-US" dirty="0"/>
+              <a:rPr lang="en-US" smtClean="0"/>
               <a:pPr/>
               <a:t>‹#›</a:t>
             </a:fld>
@@ -4227,6 +4293,11 @@
         </p:txBody>
       </p:sp>
     </p:spTree>
+    <p:extLst>
+      <p:ext uri="{BB962C8B-B14F-4D97-AF65-F5344CB8AC3E}">
+        <p14:creationId xmlns:p14="http://schemas.microsoft.com/office/powerpoint/2010/main" val="2115602726"/>
+      </p:ext>
+    </p:extLst>
   </p:cSld>
   <p:clrMapOvr>
     <a:masterClrMapping/>
@@ -4427,8 +4498,8 @@
           <a:lstStyle/>
           <a:p>
             <a:fld id="{42A54C80-263E-416B-A8E0-580EDEADCBDC}" type="datetimeFigureOut">
-              <a:rPr lang="en-US" dirty="0"/>
-              <a:t>12/27/2020</a:t>
+              <a:rPr lang="en-US" smtClean="0"/>
+              <a:t>12/28/2020</a:t>
             </a:fld>
             <a:endParaRPr lang="en-US" dirty="0"/>
           </a:p>
@@ -4469,7 +4540,7 @@
           <a:lstStyle/>
           <a:p>
             <a:fld id="{519954A3-9DFD-4C44-94BA-B95130A3BA1C}" type="slidenum">
-              <a:rPr lang="en-US" dirty="0"/>
+              <a:rPr lang="en-US" smtClean="0"/>
               <a:t>‹#›</a:t>
             </a:fld>
             <a:endParaRPr lang="en-US" dirty="0"/>
@@ -4477,6 +4548,11 @@
         </p:txBody>
       </p:sp>
     </p:spTree>
+    <p:extLst>
+      <p:ext uri="{BB962C8B-B14F-4D97-AF65-F5344CB8AC3E}">
+        <p14:creationId xmlns:p14="http://schemas.microsoft.com/office/powerpoint/2010/main" val="2246955945"/>
+      </p:ext>
+    </p:extLst>
   </p:cSld>
   <p:clrMapOvr>
     <a:masterClrMapping/>
@@ -4671,6 +4747,49 @@
       </p:sp>
       <p:sp>
         <p:nvSpPr>
+          <p:cNvPr id="6" name="Footer Placeholder 5"/>
+          <p:cNvSpPr>
+            <a:spLocks noGrp="1"/>
+          </p:cNvSpPr>
+          <p:nvPr>
+            <p:ph type="ftr" sz="quarter" idx="11"/>
+          </p:nvPr>
+        </p:nvSpPr>
+        <p:spPr/>
+        <p:txBody>
+          <a:bodyPr/>
+          <a:lstStyle/>
+          <a:p>
+            <a:endParaRPr lang="en-US" dirty="0"/>
+          </a:p>
+        </p:txBody>
+      </p:sp>
+      <p:sp>
+        <p:nvSpPr>
+          <p:cNvPr id="7" name="Slide Number Placeholder 6"/>
+          <p:cNvSpPr>
+            <a:spLocks noGrp="1"/>
+          </p:cNvSpPr>
+          <p:nvPr>
+            <p:ph type="sldNum" sz="quarter" idx="12"/>
+          </p:nvPr>
+        </p:nvSpPr>
+        <p:spPr/>
+        <p:txBody>
+          <a:bodyPr/>
+          <a:lstStyle/>
+          <a:p>
+            <a:fld id="{D57F1E4F-1CFF-5643-939E-217C01CDF565}" type="slidenum">
+              <a:rPr lang="en-US" smtClean="0"/>
+              <a:pPr/>
+              <a:t>‹#›</a:t>
+            </a:fld>
+            <a:endParaRPr lang="en-US" dirty="0"/>
+          </a:p>
+        </p:txBody>
+      </p:sp>
+      <p:sp>
+        <p:nvSpPr>
           <p:cNvPr id="5" name="Date Placeholder 4"/>
           <p:cNvSpPr>
             <a:spLocks noGrp="1"/>
@@ -4685,58 +4804,20 @@
           <a:lstStyle/>
           <a:p>
             <a:fld id="{B61BEF0D-F0BB-DE4B-95CE-6DB70DBA9567}" type="datetimeFigureOut">
-              <a:rPr lang="en-US" dirty="0"/>
+              <a:rPr lang="en-US" smtClean="0"/>
               <a:pPr/>
-              <a:t>12/27/2020</a:t>
+              <a:t>12/28/2020</a:t>
             </a:fld>
             <a:endParaRPr lang="en-US" dirty="0"/>
           </a:p>
         </p:txBody>
       </p:sp>
-      <p:sp>
-        <p:nvSpPr>
-          <p:cNvPr id="6" name="Footer Placeholder 5"/>
-          <p:cNvSpPr>
-            <a:spLocks noGrp="1"/>
-          </p:cNvSpPr>
-          <p:nvPr>
-            <p:ph type="ftr" sz="quarter" idx="11"/>
-          </p:nvPr>
-        </p:nvSpPr>
-        <p:spPr/>
-        <p:txBody>
-          <a:bodyPr/>
-          <a:lstStyle/>
-          <a:p>
-            <a:endParaRPr lang="en-US" dirty="0"/>
-          </a:p>
-        </p:txBody>
-      </p:sp>
-      <p:sp>
-        <p:nvSpPr>
-          <p:cNvPr id="7" name="Slide Number Placeholder 6"/>
-          <p:cNvSpPr>
-            <a:spLocks noGrp="1"/>
-          </p:cNvSpPr>
-          <p:nvPr>
-            <p:ph type="sldNum" sz="quarter" idx="12"/>
-          </p:nvPr>
-        </p:nvSpPr>
-        <p:spPr/>
-        <p:txBody>
-          <a:bodyPr/>
-          <a:lstStyle/>
-          <a:p>
-            <a:fld id="{D57F1E4F-1CFF-5643-939E-217C01CDF565}" type="slidenum">
-              <a:rPr lang="en-US" dirty="0"/>
-              <a:pPr/>
-              <a:t>‹#›</a:t>
-            </a:fld>
-            <a:endParaRPr lang="en-US" dirty="0"/>
-          </a:p>
-        </p:txBody>
-      </p:sp>
     </p:spTree>
+    <p:extLst>
+      <p:ext uri="{BB962C8B-B14F-4D97-AF65-F5344CB8AC3E}">
+        <p14:creationId xmlns:p14="http://schemas.microsoft.com/office/powerpoint/2010/main" val="2312478832"/>
+      </p:ext>
+    </p:extLst>
   </p:cSld>
   <p:clrMapOvr>
     <a:masterClrMapping/>
@@ -4768,7 +4849,7 @@
       </p:grpSpPr>
       <p:grpSp>
         <p:nvGrpSpPr>
-          <p:cNvPr id="7" name="Group 6"/>
+          <p:cNvPr id="44" name="Group 43"/>
           <p:cNvGrpSpPr/>
           <p:nvPr/>
         </p:nvGrpSpPr>
@@ -4796,8 +4877,8 @@
             </a:prstGeom>
             <a:ln w="9525">
               <a:solidFill>
-                <a:schemeClr val="bg1">
-                  <a:lumMod val="75000"/>
+                <a:schemeClr val="accent1">
+                  <a:alpha val="70000"/>
                 </a:schemeClr>
               </a:solidFill>
             </a:ln>
@@ -4833,8 +4914,8 @@
             </a:prstGeom>
             <a:ln w="9525">
               <a:solidFill>
-                <a:schemeClr val="bg1">
-                  <a:lumMod val="85000"/>
+                <a:schemeClr val="accent1">
+                  <a:alpha val="70000"/>
                 </a:schemeClr>
               </a:solidFill>
             </a:ln>
@@ -4894,7 +4975,7 @@
             </a:custGeom>
             <a:solidFill>
               <a:schemeClr val="accent1">
-                <a:alpha val="30000"/>
+                <a:alpha val="36000"/>
               </a:schemeClr>
             </a:solidFill>
             <a:ln>
@@ -4997,8 +5078,9 @@
               </a:avLst>
             </a:prstGeom>
             <a:solidFill>
-              <a:schemeClr val="accent2">
-                <a:alpha val="72000"/>
+              <a:schemeClr val="accent1">
+                <a:lumMod val="75000"/>
+                <a:alpha val="66000"/>
               </a:schemeClr>
             </a:solidFill>
             <a:ln>
@@ -5060,9 +5142,9 @@
               </a:pathLst>
             </a:custGeom>
             <a:solidFill>
-              <a:schemeClr val="accent2">
+              <a:schemeClr val="accent1">
                 <a:lumMod val="75000"/>
-                <a:alpha val="70000"/>
+                <a:alpha val="50000"/>
               </a:schemeClr>
             </a:solidFill>
             <a:ln>
@@ -5124,9 +5206,7 @@
               </a:pathLst>
             </a:custGeom>
             <a:solidFill>
-              <a:schemeClr val="accent1">
-                <a:lumMod val="60000"/>
-                <a:lumOff val="40000"/>
+              <a:schemeClr val="accent2">
                 <a:alpha val="70000"/>
               </a:schemeClr>
             </a:solidFill>
@@ -5189,8 +5269,9 @@
               </a:pathLst>
             </a:custGeom>
             <a:solidFill>
-              <a:schemeClr val="accent1">
-                <a:alpha val="65000"/>
+              <a:schemeClr val="accent2">
+                <a:lumMod val="75000"/>
+                <a:alpha val="80000"/>
               </a:schemeClr>
             </a:solidFill>
             <a:ln>
@@ -5231,7 +5312,8 @@
             </a:prstGeom>
             <a:solidFill>
               <a:schemeClr val="accent1">
-                <a:alpha val="80000"/>
+                <a:lumMod val="75000"/>
+                <a:alpha val="66000"/>
               </a:schemeClr>
             </a:solidFill>
             <a:ln>
@@ -5256,7 +5338,7 @@
         </p:sp>
         <p:sp>
           <p:nvSpPr>
-            <p:cNvPr id="29" name="Isosceles Triangle 28"/>
+            <p:cNvPr id="19" name="Isosceles Triangle 18"/>
             <p:cNvSpPr/>
             <p:nvPr/>
           </p:nvSpPr>
@@ -5272,7 +5354,7 @@
             </a:prstGeom>
             <a:solidFill>
               <a:schemeClr val="accent1">
-                <a:alpha val="85000"/>
+                <a:alpha val="70000"/>
               </a:schemeClr>
             </a:solidFill>
             <a:ln>
@@ -5322,7 +5404,7 @@
           <a:lstStyle/>
           <a:p>
             <a:r>
-              <a:rPr lang="zh-TW" altLang="en-US" smtClean="0"/>
+              <a:rPr lang="zh-TW" altLang="en-US" dirty="0" smtClean="0"/>
               <a:t>按一下以編輯母片標題樣式</a:t>
             </a:r>
             <a:endParaRPr lang="en-US" dirty="0"/>
@@ -5425,9 +5507,9 @@
           </a:lstStyle>
           <a:p>
             <a:fld id="{B61BEF0D-F0BB-DE4B-95CE-6DB70DBA9567}" type="datetimeFigureOut">
-              <a:rPr lang="en-US" dirty="0"/>
+              <a:rPr lang="en-US" smtClean="0"/>
               <a:pPr/>
-              <a:t>12/27/2020</a:t>
+              <a:t>12/28/2020</a:t>
             </a:fld>
             <a:endParaRPr lang="en-US" dirty="0"/>
           </a:p>
@@ -5502,7 +5584,7 @@
           </a:lstStyle>
           <a:p>
             <a:fld id="{D57F1E4F-1CFF-5643-939E-217C01CDF565}" type="slidenum">
-              <a:rPr lang="en-US" dirty="0"/>
+              <a:rPr lang="en-US" smtClean="0"/>
               <a:pPr/>
               <a:t>‹#›</a:t>
             </a:fld>
@@ -5512,7 +5594,7 @@
       </p:sp>
       <p:pic>
         <p:nvPicPr>
-          <p:cNvPr id="19" name="Picture 2" descr="upload.wikimedia.org/wikipedia/commons/thumb/f/..."/>
+          <p:cNvPr id="18" name="Picture 2" descr="upload.wikimedia.org/wikipedia/commons/thumb/f/..."/>
           <p:cNvPicPr>
             <a:picLocks noChangeAspect="1" noChangeArrowheads="1"/>
           </p:cNvPicPr>
@@ -5552,25 +5634,30 @@
         </p:spPr>
       </p:pic>
     </p:spTree>
+    <p:extLst>
+      <p:ext uri="{BB962C8B-B14F-4D97-AF65-F5344CB8AC3E}">
+        <p14:creationId xmlns:p14="http://schemas.microsoft.com/office/powerpoint/2010/main" val="2319598177"/>
+      </p:ext>
+    </p:extLst>
   </p:cSld>
   <p:clrMap bg1="lt1" tx1="dk1" bg2="lt2" tx2="dk2" accent1="accent1" accent2="accent2" accent3="accent3" accent4="accent4" accent5="accent5" accent6="accent6" hlink="hlink" folHlink="folHlink"/>
   <p:sldLayoutIdLst>
-    <p:sldLayoutId id="2147483649" r:id="rId1"/>
-    <p:sldLayoutId id="2147483650" r:id="rId2"/>
-    <p:sldLayoutId id="2147483651" r:id="rId3"/>
-    <p:sldLayoutId id="2147483665" r:id="rId4"/>
-    <p:sldLayoutId id="2147483653" r:id="rId5"/>
-    <p:sldLayoutId id="2147483654" r:id="rId6"/>
-    <p:sldLayoutId id="2147483655" r:id="rId7"/>
-    <p:sldLayoutId id="2147483666" r:id="rId8"/>
-    <p:sldLayoutId id="2147483657" r:id="rId9"/>
-    <p:sldLayoutId id="2147483660" r:id="rId10"/>
-    <p:sldLayoutId id="2147483661" r:id="rId11"/>
-    <p:sldLayoutId id="2147483662" r:id="rId12"/>
-    <p:sldLayoutId id="2147483663" r:id="rId13"/>
-    <p:sldLayoutId id="2147483664" r:id="rId14"/>
-    <p:sldLayoutId id="2147483667" r:id="rId15"/>
-    <p:sldLayoutId id="2147483659" r:id="rId16"/>
+    <p:sldLayoutId id="2147483669" r:id="rId1"/>
+    <p:sldLayoutId id="2147483670" r:id="rId2"/>
+    <p:sldLayoutId id="2147483671" r:id="rId3"/>
+    <p:sldLayoutId id="2147483672" r:id="rId4"/>
+    <p:sldLayoutId id="2147483673" r:id="rId5"/>
+    <p:sldLayoutId id="2147483674" r:id="rId6"/>
+    <p:sldLayoutId id="2147483675" r:id="rId7"/>
+    <p:sldLayoutId id="2147483676" r:id="rId8"/>
+    <p:sldLayoutId id="2147483677" r:id="rId9"/>
+    <p:sldLayoutId id="2147483678" r:id="rId10"/>
+    <p:sldLayoutId id="2147483679" r:id="rId11"/>
+    <p:sldLayoutId id="2147483680" r:id="rId12"/>
+    <p:sldLayoutId id="2147483681" r:id="rId13"/>
+    <p:sldLayoutId id="2147483682" r:id="rId14"/>
+    <p:sldLayoutId id="2147483683" r:id="rId15"/>
+    <p:sldLayoutId id="2147483684" r:id="rId16"/>
   </p:sldLayoutIdLst>
   <p:txStyles>
     <p:titleStyle>
@@ -5581,7 +5668,7 @@
         <a:buNone/>
         <a:defRPr sz="3600" kern="1200">
           <a:solidFill>
-            <a:schemeClr val="accent1"/>
+            <a:srgbClr val="0070C0"/>
           </a:solidFill>
           <a:latin typeface="+mj-lt"/>
           <a:ea typeface="+mj-ea"/>
@@ -6041,7 +6128,7 @@
           <a:p>
             <a:fld id="{4805910D-2C61-424F-80CE-807290CF0E1E}" type="datetime4">
               <a:rPr lang="zh-TW" altLang="zh-TW"/>
-              <a:t>109年12月27日星期日</a:t>
+              <a:t>109年12月28日星期一</a:t>
             </a:fld>
             <a:endParaRPr lang="zh-TW" altLang="en-US" dirty="0"/>
           </a:p>
@@ -6922,11 +7009,7 @@
             </a:r>
             <a:r>
               <a:rPr lang="en-US" altLang="zh-TW" dirty="0" smtClean="0"/>
-              <a:t> </a:t>
-            </a:r>
-            <a:r>
-              <a:rPr lang="en-US" altLang="zh-TW" dirty="0" smtClean="0"/>
-              <a:t>…..</a:t>
+              <a:t> …..</a:t>
             </a:r>
             <a:r>
               <a:rPr lang="en-US" altLang="zh-TW" dirty="0" err="1" smtClean="0"/>
@@ -7712,11 +7795,7 @@
             </a:r>
             <a:r>
               <a:rPr lang="zh-TW" altLang="en-US" dirty="0" smtClean="0"/>
-              <a:t>程式三參考</a:t>
-            </a:r>
-            <a:r>
-              <a:rPr lang="zh-TW" altLang="en-US" dirty="0" smtClean="0"/>
-              <a:t>程式碼</a:t>
+              <a:t>程式三參考程式碼</a:t>
             </a:r>
             <a:endParaRPr lang="zh-TW" altLang="en-US" dirty="0"/>
           </a:p>
@@ -8226,15 +8305,7 @@
             </a:r>
             <a:r>
               <a:rPr lang="zh-TW" altLang="en-US" dirty="0" smtClean="0"/>
-              <a:t>迴圈</a:t>
-            </a:r>
-            <a:r>
-              <a:rPr lang="zh-TW" altLang="en-US" dirty="0" smtClean="0"/>
-              <a:t>簡單</a:t>
-            </a:r>
-            <a:r>
-              <a:rPr lang="zh-TW" altLang="en-US" dirty="0" smtClean="0"/>
-              <a:t>解說</a:t>
+              <a:t>迴圈簡單解說</a:t>
             </a:r>
             <a:endParaRPr lang="zh-TW" altLang="en-US" dirty="0"/>
           </a:p>
@@ -8286,15 +8357,7 @@
             </a:r>
             <a:r>
               <a:rPr lang="zh-TW" altLang="en-US" dirty="0" smtClean="0"/>
-              <a:t>成立</a:t>
-            </a:r>
-            <a:r>
-              <a:rPr lang="zh-TW" altLang="en-US" dirty="0" smtClean="0"/>
-              <a:t>時就</a:t>
-            </a:r>
-            <a:r>
-              <a:rPr lang="zh-TW" altLang="en-US" dirty="0" smtClean="0"/>
-              <a:t>做</a:t>
+              <a:t>成立時就做</a:t>
             </a:r>
             <a:r>
               <a:rPr lang="zh-TW" altLang="en-US" b="1" dirty="0" smtClean="0">
@@ -8306,15 +8369,7 @@
             </a:r>
             <a:r>
               <a:rPr lang="zh-TW" altLang="en-US" dirty="0" smtClean="0"/>
-              <a:t>後</a:t>
-            </a:r>
-            <a:r>
-              <a:rPr lang="zh-TW" altLang="en-US" dirty="0" smtClean="0"/>
-              <a:t>的</a:t>
-            </a:r>
-            <a:r>
-              <a:rPr lang="zh-TW" altLang="en-US" dirty="0" smtClean="0"/>
-              <a:t>事。</a:t>
+              <a:t>後的事。</a:t>
             </a:r>
             <a:r>
               <a:rPr lang="en-US" altLang="zh-TW" dirty="0" smtClean="0"/>
@@ -8325,11 +8380,7 @@
             </a:br>
             <a:r>
               <a:rPr lang="zh-TW" altLang="en-US" dirty="0" smtClean="0"/>
-              <a:t>而且做完後再重頭</a:t>
-            </a:r>
-            <a:r>
-              <a:rPr lang="zh-TW" altLang="en-US" dirty="0" smtClean="0"/>
-              <a:t>檢查</a:t>
+              <a:t>而且做完後再重頭檢查</a:t>
             </a:r>
             <a:r>
               <a:rPr lang="zh-TW" altLang="en-US" b="1" dirty="0">
@@ -8379,11 +8430,7 @@
             </a:r>
             <a:r>
               <a:rPr lang="zh-TW" altLang="en-US" dirty="0" smtClean="0"/>
-              <a:t>寫</a:t>
-            </a:r>
-            <a:r>
-              <a:rPr lang="zh-TW" altLang="en-US" dirty="0" smtClean="0"/>
-              <a:t>成 </a:t>
+              <a:t>寫成 </a:t>
             </a:r>
             <a:r>
               <a:rPr lang="en-US" altLang="zh-TW" b="1" dirty="0" smtClean="0">
@@ -8395,11 +8442,7 @@
             </a:r>
             <a:r>
               <a:rPr lang="zh-TW" altLang="en-US" dirty="0" smtClean="0"/>
-              <a:t>時</a:t>
-            </a:r>
-            <a:r>
-              <a:rPr lang="zh-TW" altLang="en-US" dirty="0" smtClean="0"/>
-              <a:t>，表示條件</a:t>
+              <a:t>時，表示條件</a:t>
             </a:r>
             <a:r>
               <a:rPr lang="zh-TW" altLang="en-US" b="1" dirty="0" smtClean="0">
@@ -8544,11 +8587,7 @@
             </a:r>
             <a:r>
               <a:rPr lang="en-US" altLang="zh-TW" dirty="0" smtClean="0"/>
-              <a:t>– </a:t>
-            </a:r>
-            <a:r>
-              <a:rPr lang="en-US" altLang="zh-TW" dirty="0" smtClean="0"/>
-              <a:t>if---</a:t>
+              <a:t>– if---</a:t>
             </a:r>
             <a:r>
               <a:rPr lang="en-US" altLang="zh-TW" dirty="0" smtClean="0">
@@ -10765,11 +10804,7 @@
           <a:p>
             <a:r>
               <a:rPr lang="zh-TW" altLang="en-US" dirty="0" smtClean="0"/>
-              <a:t>聰明偷懶</a:t>
-            </a:r>
-            <a:r>
-              <a:rPr lang="zh-TW" altLang="en-US" dirty="0" smtClean="0"/>
-              <a:t>法，但是</a:t>
+              <a:t>聰明偷懶法，但是</a:t>
             </a:r>
             <a:r>
               <a:rPr lang="en-US" altLang="zh-TW" dirty="0" smtClean="0"/>
@@ -12631,11 +12666,7 @@
           <a:p>
             <a:r>
               <a:rPr lang="zh-TW" altLang="en-US" dirty="0" smtClean="0"/>
-              <a:t>縮排的</a:t>
-            </a:r>
-            <a:r>
-              <a:rPr lang="zh-TW" altLang="en-US" dirty="0" smtClean="0"/>
-              <a:t>意義與使用</a:t>
+              <a:t>縮排的意義與使用</a:t>
             </a:r>
             <a:endParaRPr lang="zh-TW" altLang="en-US" dirty="0"/>
           </a:p>
@@ -12721,11 +12752,7 @@
           <a:p>
             <a:r>
               <a:rPr lang="zh-TW" altLang="en-US" dirty="0" smtClean="0"/>
-              <a:t>也就是</a:t>
-            </a:r>
-            <a:r>
-              <a:rPr lang="zh-TW" altLang="en-US" dirty="0" smtClean="0"/>
-              <a:t>集合起來</a:t>
+              <a:t>也就是集合起來</a:t>
             </a:r>
             <a:r>
               <a:rPr lang="zh-TW" altLang="en-US" dirty="0" smtClean="0">
@@ -14626,7 +14653,7 @@
 <file path=ppt/theme/theme1.xml><?xml version="1.0" encoding="utf-8"?>
 <a:theme xmlns:a="http://schemas.openxmlformats.org/drawingml/2006/main" name="多面向">
   <a:themeElements>
-    <a:clrScheme name="Facet">
+    <a:clrScheme name="多面向">
       <a:dk1>
         <a:sysClr val="windowText" lastClr="000000"/>
       </a:dk1>
@@ -14640,31 +14667,31 @@
         <a:srgbClr val="EBEBEB"/>
       </a:lt2>
       <a:accent1>
-        <a:srgbClr val="90C226"/>
+        <a:srgbClr val="5FCBEF"/>
       </a:accent1>
       <a:accent2>
-        <a:srgbClr val="54A021"/>
+        <a:srgbClr val="2E83C3"/>
       </a:accent2>
       <a:accent3>
-        <a:srgbClr val="E6B91E"/>
+        <a:srgbClr val="42D0A2"/>
       </a:accent3>
       <a:accent4>
-        <a:srgbClr val="E76618"/>
+        <a:srgbClr val="2E946B"/>
       </a:accent4>
       <a:accent5>
-        <a:srgbClr val="C42F1A"/>
+        <a:srgbClr val="42B051"/>
       </a:accent5>
       <a:accent6>
-        <a:srgbClr val="918655"/>
+        <a:srgbClr val="96D141"/>
       </a:accent6>
       <a:hlink>
-        <a:srgbClr val="99CA3C"/>
+        <a:srgbClr val="3FCDE7"/>
       </a:hlink>
       <a:folHlink>
-        <a:srgbClr val="B9D181"/>
+        <a:srgbClr val="A9D3E1"/>
       </a:folHlink>
     </a:clrScheme>
-    <a:fontScheme name="Facet">
+    <a:fontScheme name="多面向">
       <a:majorFont>
         <a:latin typeface="Trebuchet MS" panose="020B0603020202020204"/>
         <a:ea typeface=""/>
@@ -14736,7 +14763,7 @@
         <a:font script="Geor" typeface="Sylfaen"/>
       </a:minorFont>
     </a:fontScheme>
-    <a:fmtScheme name="Facet">
+    <a:fmtScheme name="多面向">
       <a:fillStyleLst>
         <a:solidFill>
           <a:schemeClr val="phClr"/>
@@ -14874,7 +14901,7 @@
   <a:extraClrSchemeLst/>
   <a:extLst>
     <a:ext uri="{05A4C25C-085E-4340-85A3-A5531E510DB2}">
-      <thm15:themeFamily xmlns:thm15="http://schemas.microsoft.com/office/thememl/2012/main" name="Facet" id="{C0C680CD-088A-49FC-A102-D699147F32B2}" vid="{CFBC31BA-B70F-4F30-BCAA-4F3011E16C4D}"/>
+      <thm15:themeFamily xmlns:thm15="http://schemas.microsoft.com/office/thememl/2012/main" name="Facet" id="{C0C680CD-088A-49FC-A102-D699147F32B2}" vid="{0B5AB586-D108-4FC1-8368-649FE654B894}"/>
     </a:ext>
   </a:extLst>
 </a:theme>
